--- a/images/free jet expansion.pptx
+++ b/images/free jet expansion.pptx
@@ -243,7 +243,7 @@
           <a:p>
             <a:fld id="{11DF4037-C77C-4485-A1A7-A21C0C2A48B2}" type="datetimeFigureOut">
               <a:rPr lang="en-US" smtClean="0"/>
-              <a:t>7/26/2016</a:t>
+              <a:t>1/19/17</a:t>
             </a:fld>
             <a:endParaRPr lang="en-US"/>
           </a:p>
@@ -413,7 +413,7 @@
           <a:p>
             <a:fld id="{11DF4037-C77C-4485-A1A7-A21C0C2A48B2}" type="datetimeFigureOut">
               <a:rPr lang="en-US" smtClean="0"/>
-              <a:t>7/26/2016</a:t>
+              <a:t>1/19/17</a:t>
             </a:fld>
             <a:endParaRPr lang="en-US"/>
           </a:p>
@@ -593,7 +593,7 @@
           <a:p>
             <a:fld id="{11DF4037-C77C-4485-A1A7-A21C0C2A48B2}" type="datetimeFigureOut">
               <a:rPr lang="en-US" smtClean="0"/>
-              <a:t>7/26/2016</a:t>
+              <a:t>1/19/17</a:t>
             </a:fld>
             <a:endParaRPr lang="en-US"/>
           </a:p>
@@ -763,7 +763,7 @@
           <a:p>
             <a:fld id="{11DF4037-C77C-4485-A1A7-A21C0C2A48B2}" type="datetimeFigureOut">
               <a:rPr lang="en-US" smtClean="0"/>
-              <a:t>7/26/2016</a:t>
+              <a:t>1/19/17</a:t>
             </a:fld>
             <a:endParaRPr lang="en-US"/>
           </a:p>
@@ -1009,7 +1009,7 @@
           <a:p>
             <a:fld id="{11DF4037-C77C-4485-A1A7-A21C0C2A48B2}" type="datetimeFigureOut">
               <a:rPr lang="en-US" smtClean="0"/>
-              <a:t>7/26/2016</a:t>
+              <a:t>1/19/17</a:t>
             </a:fld>
             <a:endParaRPr lang="en-US"/>
           </a:p>
@@ -1241,7 +1241,7 @@
           <a:p>
             <a:fld id="{11DF4037-C77C-4485-A1A7-A21C0C2A48B2}" type="datetimeFigureOut">
               <a:rPr lang="en-US" smtClean="0"/>
-              <a:t>7/26/2016</a:t>
+              <a:t>1/19/17</a:t>
             </a:fld>
             <a:endParaRPr lang="en-US"/>
           </a:p>
@@ -1608,7 +1608,7 @@
           <a:p>
             <a:fld id="{11DF4037-C77C-4485-A1A7-A21C0C2A48B2}" type="datetimeFigureOut">
               <a:rPr lang="en-US" smtClean="0"/>
-              <a:t>7/26/2016</a:t>
+              <a:t>1/19/17</a:t>
             </a:fld>
             <a:endParaRPr lang="en-US"/>
           </a:p>
@@ -1726,7 +1726,7 @@
           <a:p>
             <a:fld id="{11DF4037-C77C-4485-A1A7-A21C0C2A48B2}" type="datetimeFigureOut">
               <a:rPr lang="en-US" smtClean="0"/>
-              <a:t>7/26/2016</a:t>
+              <a:t>1/19/17</a:t>
             </a:fld>
             <a:endParaRPr lang="en-US"/>
           </a:p>
@@ -1821,7 +1821,7 @@
           <a:p>
             <a:fld id="{11DF4037-C77C-4485-A1A7-A21C0C2A48B2}" type="datetimeFigureOut">
               <a:rPr lang="en-US" smtClean="0"/>
-              <a:t>7/26/2016</a:t>
+              <a:t>1/19/17</a:t>
             </a:fld>
             <a:endParaRPr lang="en-US"/>
           </a:p>
@@ -2098,7 +2098,7 @@
           <a:p>
             <a:fld id="{11DF4037-C77C-4485-A1A7-A21C0C2A48B2}" type="datetimeFigureOut">
               <a:rPr lang="en-US" smtClean="0"/>
-              <a:t>7/26/2016</a:t>
+              <a:t>1/19/17</a:t>
             </a:fld>
             <a:endParaRPr lang="en-US"/>
           </a:p>
@@ -2351,7 +2351,7 @@
           <a:p>
             <a:fld id="{11DF4037-C77C-4485-A1A7-A21C0C2A48B2}" type="datetimeFigureOut">
               <a:rPr lang="en-US" smtClean="0"/>
-              <a:t>7/26/2016</a:t>
+              <a:t>1/19/17</a:t>
             </a:fld>
             <a:endParaRPr lang="en-US"/>
           </a:p>
@@ -2564,7 +2564,7 @@
           <a:p>
             <a:fld id="{11DF4037-C77C-4485-A1A7-A21C0C2A48B2}" type="datetimeFigureOut">
               <a:rPr lang="en-US" smtClean="0"/>
-              <a:t>7/26/2016</a:t>
+              <a:t>1/19/17</a:t>
             </a:fld>
             <a:endParaRPr lang="en-US"/>
           </a:p>
@@ -4214,7 +4214,7 @@
         <p:spPr>
           <a:xfrm>
             <a:off x="3975100" y="609600"/>
-            <a:ext cx="2452787" cy="369332"/>
+            <a:ext cx="2158348" cy="369332"/>
           </a:xfrm>
           <a:prstGeom prst="rect">
             <a:avLst/>
@@ -4229,7 +4229,7 @@
           <a:p>
             <a:r>
               <a:rPr lang="en-US" dirty="0" smtClean="0"/>
-              <a:t>Background pressure </a:t>
+              <a:t>Chamber pressure </a:t>
             </a:r>
             <a:r>
               <a:rPr lang="en-US" dirty="0" err="1" smtClean="0"/>
